--- a/GDP LEABY comparison.pptx
+++ b/GDP LEABY comparison.pptx
@@ -214,7 +214,7 @@
           <a:p>
             <a:fld id="{14C9D0F6-BC94-4444-BBE9-487FA8AFE9D1}" type="datetimeFigureOut">
               <a:rPr lang="en-US" smtClean="0"/>
-              <a:t>12/1/21</a:t>
+              <a:t>12/7/21</a:t>
             </a:fld>
             <a:endParaRPr lang="en-US"/>
           </a:p>
@@ -729,7 +729,7 @@
           <a:p>
             <a:fld id="{4AAD347D-5ACD-4C99-B74B-A9C85AD731AF}" type="datetimeFigureOut">
               <a:rPr lang="en-US" smtClean="0"/>
-              <a:t>12/1/21</a:t>
+              <a:t>12/7/21</a:t>
             </a:fld>
             <a:endParaRPr lang="en-US" dirty="0"/>
           </a:p>
@@ -899,7 +899,7 @@
           <a:p>
             <a:fld id="{4509A250-FF31-4206-8172-F9D3106AACB1}" type="datetimeFigureOut">
               <a:rPr lang="en-US" smtClean="0"/>
-              <a:t>12/1/21</a:t>
+              <a:t>12/7/21</a:t>
             </a:fld>
             <a:endParaRPr lang="en-US" dirty="0"/>
           </a:p>
@@ -1079,7 +1079,7 @@
           <a:p>
             <a:fld id="{4509A250-FF31-4206-8172-F9D3106AACB1}" type="datetimeFigureOut">
               <a:rPr lang="en-US" smtClean="0"/>
-              <a:t>12/1/21</a:t>
+              <a:t>12/7/21</a:t>
             </a:fld>
             <a:endParaRPr lang="en-US" dirty="0"/>
           </a:p>
@@ -1249,7 +1249,7 @@
           <a:p>
             <a:fld id="{4509A250-FF31-4206-8172-F9D3106AACB1}" type="datetimeFigureOut">
               <a:rPr lang="en-US" smtClean="0"/>
-              <a:t>12/1/21</a:t>
+              <a:t>12/7/21</a:t>
             </a:fld>
             <a:endParaRPr lang="en-US" dirty="0"/>
           </a:p>
@@ -1517,7 +1517,7 @@
           <a:p>
             <a:fld id="{9796027F-7875-4030-9381-8BD8C4F21935}" type="datetimeFigureOut">
               <a:rPr lang="en-US" smtClean="0"/>
-              <a:t>12/1/21</a:t>
+              <a:t>12/7/21</a:t>
             </a:fld>
             <a:endParaRPr lang="en-US" dirty="0"/>
           </a:p>
@@ -1749,7 +1749,7 @@
           <a:p>
             <a:fld id="{9796027F-7875-4030-9381-8BD8C4F21935}" type="datetimeFigureOut">
               <a:rPr lang="en-US" smtClean="0"/>
-              <a:t>12/1/21</a:t>
+              <a:t>12/7/21</a:t>
             </a:fld>
             <a:endParaRPr lang="en-US" dirty="0"/>
           </a:p>
@@ -2104,7 +2104,7 @@
           <a:p>
             <a:fld id="{4AAD347D-5ACD-4C99-B74B-A9C85AD731AF}" type="datetimeFigureOut">
               <a:rPr lang="en-US" smtClean="0"/>
-              <a:t>12/1/21</a:t>
+              <a:t>12/7/21</a:t>
             </a:fld>
             <a:endParaRPr lang="en-US" dirty="0"/>
           </a:p>
@@ -2246,7 +2246,7 @@
           <a:p>
             <a:fld id="{4509A250-FF31-4206-8172-F9D3106AACB1}" type="datetimeFigureOut">
               <a:rPr lang="en-US" smtClean="0"/>
-              <a:t>12/1/21</a:t>
+              <a:t>12/7/21</a:t>
             </a:fld>
             <a:endParaRPr lang="en-US" dirty="0"/>
           </a:p>
@@ -2341,7 +2341,7 @@
           <a:p>
             <a:fld id="{4509A250-FF31-4206-8172-F9D3106AACB1}" type="datetimeFigureOut">
               <a:rPr lang="en-US" smtClean="0"/>
-              <a:t>12/1/21</a:t>
+              <a:t>12/7/21</a:t>
             </a:fld>
             <a:endParaRPr lang="en-US" dirty="0"/>
           </a:p>
@@ -2698,7 +2698,7 @@
           <a:p>
             <a:fld id="{4509A250-FF31-4206-8172-F9D3106AACB1}" type="datetimeFigureOut">
               <a:rPr lang="en-US" smtClean="0"/>
-              <a:t>12/1/21</a:t>
+              <a:t>12/7/21</a:t>
             </a:fld>
             <a:endParaRPr lang="en-US" dirty="0"/>
           </a:p>
@@ -3054,7 +3054,7 @@
           <a:p>
             <a:fld id="{4509A250-FF31-4206-8172-F9D3106AACB1}" type="datetimeFigureOut">
               <a:rPr lang="en-US" smtClean="0"/>
-              <a:t>12/1/21</a:t>
+              <a:t>12/7/21</a:t>
             </a:fld>
             <a:endParaRPr lang="en-US" dirty="0"/>
           </a:p>
@@ -3294,7 +3294,7 @@
           <a:p>
             <a:fld id="{4AAD347D-5ACD-4C99-B74B-A9C85AD731AF}" type="datetimeFigureOut">
               <a:rPr lang="en-US" smtClean="0"/>
-              <a:t>12/1/21</a:t>
+              <a:t>12/7/21</a:t>
             </a:fld>
             <a:endParaRPr lang="en-US" dirty="0"/>
           </a:p>
@@ -3773,7 +3773,15 @@
           <a:p>
             <a:r>
               <a:rPr lang="en-US" dirty="0"/>
-              <a:t>Are country’s Life expectancy and gpd linked</a:t>
+              <a:t>Are country’s Life expectancy and </a:t>
+            </a:r>
+            <a:r>
+              <a:rPr lang="en-US" dirty="0" err="1"/>
+              <a:t>gdP</a:t>
+            </a:r>
+            <a:r>
+              <a:rPr lang="en-US" dirty="0"/>
+              <a:t> linked</a:t>
             </a:r>
           </a:p>
         </p:txBody>
